--- a/객체UML/10_객체UML(스테이트).pptx
+++ b/객체UML/10_객체UML(스테이트).pptx
@@ -6312,7 +6312,21 @@
             </a:r>
             <a:r>
               <a:rPr lang="ko-KR" altLang="en-US" dirty="0"/>
-              <a:t>이벤트를 받으면 가동할 수 있는‘정지’상태가 된다</a:t>
+              <a:t>이벤트를 받으면 가동할 수 있는</a:t>
+            </a:r>
+            <a:r>
+              <a:rPr lang="ko-KR" altLang="en-US" dirty="0">
+                <a:solidFill>
+                  <a:schemeClr val="accent5">
+                    <a:lumMod val="75000"/>
+                  </a:schemeClr>
+                </a:solidFill>
+              </a:rPr>
+              <a:t>‘정지’</a:t>
+            </a:r>
+            <a:r>
+              <a:rPr lang="ko-KR" altLang="en-US" dirty="0"/>
+              <a:t>상태가 된다</a:t>
             </a:r>
             <a:r>
               <a:rPr lang="en-US" altLang="ko-KR" dirty="0"/>
@@ -6334,7 +6348,21 @@
             </a:r>
             <a:r>
               <a:rPr lang="ko-KR" altLang="en-US" dirty="0"/>
-              <a:t>이벤트를 받으면 세탁기 객체는‘종료’ 상태로 간다</a:t>
+              <a:t>이벤트를 받으면 세탁기 객체는</a:t>
+            </a:r>
+            <a:r>
+              <a:rPr lang="ko-KR" altLang="en-US" dirty="0">
+                <a:solidFill>
+                  <a:schemeClr val="accent5">
+                    <a:lumMod val="75000"/>
+                  </a:schemeClr>
+                </a:solidFill>
+              </a:rPr>
+              <a:t>‘종료’</a:t>
+            </a:r>
+            <a:r>
+              <a:rPr lang="ko-KR" altLang="en-US" dirty="0"/>
+              <a:t> 상태로 간다</a:t>
             </a:r>
             <a:r>
               <a:rPr lang="en-US" altLang="ko-KR" dirty="0"/>
@@ -6368,7 +6396,21 @@
             </a:r>
             <a:r>
               <a:rPr lang="ko-KR" altLang="en-US" dirty="0"/>
-              <a:t>이벤트를 받으면 ‘세탁 중’ 상태가 된다</a:t>
+              <a:t>이벤트를 받으면 </a:t>
+            </a:r>
+            <a:r>
+              <a:rPr lang="ko-KR" altLang="en-US" dirty="0">
+                <a:solidFill>
+                  <a:schemeClr val="accent5">
+                    <a:lumMod val="75000"/>
+                  </a:schemeClr>
+                </a:solidFill>
+              </a:rPr>
+              <a:t>‘세탁 중’ </a:t>
+            </a:r>
+            <a:r>
+              <a:rPr lang="ko-KR" altLang="en-US" dirty="0"/>
+              <a:t>상태가 된다</a:t>
             </a:r>
             <a:r>
               <a:rPr lang="en-US" altLang="ko-KR" dirty="0"/>
@@ -6424,7 +6466,21 @@
             </a:r>
             <a:r>
               <a:rPr lang="ko-KR" altLang="en-US" dirty="0"/>
-              <a:t>이벤트를 받으면‘건조 중’상태가 된다</a:t>
+              <a:t>이벤트를 받으면</a:t>
+            </a:r>
+            <a:r>
+              <a:rPr lang="ko-KR" altLang="en-US" dirty="0">
+                <a:solidFill>
+                  <a:schemeClr val="accent5">
+                    <a:lumMod val="75000"/>
+                  </a:schemeClr>
+                </a:solidFill>
+              </a:rPr>
+              <a:t>‘건조 중’</a:t>
+            </a:r>
+            <a:r>
+              <a:rPr lang="ko-KR" altLang="en-US" dirty="0"/>
+              <a:t>상태가 된다</a:t>
             </a:r>
             <a:r>
               <a:rPr lang="en-US" altLang="ko-KR" dirty="0"/>
@@ -6476,7 +6532,21 @@
             </a:r>
             <a:r>
               <a:rPr lang="ko-KR" altLang="en-US" dirty="0"/>
-              <a:t>이벤트를 받으면 ‘건조 중’상태가 된다</a:t>
+              <a:t>이벤트를 받으면 </a:t>
+            </a:r>
+            <a:r>
+              <a:rPr lang="ko-KR" altLang="en-US" dirty="0">
+                <a:solidFill>
+                  <a:schemeClr val="accent5">
+                    <a:lumMod val="75000"/>
+                  </a:schemeClr>
+                </a:solidFill>
+              </a:rPr>
+              <a:t>‘건조 중’</a:t>
+            </a:r>
+            <a:r>
+              <a:rPr lang="ko-KR" altLang="en-US" dirty="0"/>
+              <a:t>상태가 된다</a:t>
             </a:r>
             <a:r>
               <a:rPr lang="en-US" altLang="ko-KR" dirty="0"/>
@@ -6502,7 +6572,41 @@
             </a:r>
             <a:r>
               <a:rPr lang="ko-KR" altLang="en-US" dirty="0"/>
-              <a:t>이벤트를 수신하면 세탁기는 정지한다</a:t>
+              <a:t>이벤트를 수신하면 세탁기는 </a:t>
+            </a:r>
+            <a:r>
+              <a:rPr lang="en-US" altLang="ko-KR" dirty="0" smtClean="0">
+                <a:solidFill>
+                  <a:schemeClr val="accent5">
+                    <a:lumMod val="75000"/>
+                  </a:schemeClr>
+                </a:solidFill>
+              </a:rPr>
+              <a:t>‘</a:t>
+            </a:r>
+            <a:r>
+              <a:rPr lang="ko-KR" altLang="en-US" dirty="0" smtClean="0">
+                <a:solidFill>
+                  <a:schemeClr val="accent5">
+                    <a:lumMod val="75000"/>
+                  </a:schemeClr>
+                </a:solidFill>
+              </a:rPr>
+              <a:t>정지</a:t>
+            </a:r>
+            <a:r>
+              <a:rPr lang="en-US" altLang="ko-KR" dirty="0" smtClean="0">
+                <a:solidFill>
+                  <a:schemeClr val="accent5">
+                    <a:lumMod val="75000"/>
+                  </a:schemeClr>
+                </a:solidFill>
+              </a:rPr>
+              <a:t>’</a:t>
+            </a:r>
+            <a:r>
+              <a:rPr lang="ko-KR" altLang="en-US" dirty="0" smtClean="0"/>
+              <a:t>한다</a:t>
             </a:r>
             <a:r>
               <a:rPr lang="en-US" altLang="ko-KR" dirty="0"/>

--- a/객체UML/10_객체UML(스테이트).pptx
+++ b/객체UML/10_객체UML(스테이트).pptx
@@ -4121,8 +4121,51 @@
               <a:t>-&gt; </a:t>
             </a:r>
             <a:r>
-              <a:rPr lang="ko-KR" altLang="en-US" dirty="0" err="1"/>
+              <a:rPr lang="ko-KR" altLang="en-US" dirty="0" err="1" smtClean="0"/>
               <a:t>빨간불</a:t>
+            </a:r>
+            <a:endParaRPr lang="en-US" altLang="ko-KR" dirty="0" smtClean="0"/>
+          </a:p>
+          <a:p>
+            <a:endParaRPr lang="en-US" altLang="ko-KR" dirty="0"/>
+          </a:p>
+          <a:p>
+            <a:r>
+              <a:rPr lang="ko-KR" altLang="en-US" dirty="0" smtClean="0"/>
+              <a:t>연동되는 </a:t>
+            </a:r>
+            <a:r>
+              <a:rPr lang="ko-KR" altLang="en-US" dirty="0" err="1" smtClean="0"/>
+              <a:t>스테이터스</a:t>
+            </a:r>
+            <a:r>
+              <a:rPr lang="ko-KR" altLang="en-US" dirty="0" smtClean="0"/>
+              <a:t> 다이어그램</a:t>
+            </a:r>
+            <a:endParaRPr lang="en-US" altLang="ko-KR" dirty="0" smtClean="0"/>
+          </a:p>
+          <a:p>
+            <a:endParaRPr lang="en-US" altLang="ko-KR" dirty="0"/>
+          </a:p>
+          <a:p>
+            <a:r>
+              <a:rPr lang="ko-KR" altLang="en-US" dirty="0" smtClean="0"/>
+              <a:t>어떤 </a:t>
+            </a:r>
+            <a:r>
+              <a:rPr lang="ko-KR" altLang="en-US" dirty="0" err="1" smtClean="0"/>
+              <a:t>스테이터스를</a:t>
+            </a:r>
+            <a:r>
+              <a:rPr lang="ko-KR" altLang="en-US" dirty="0" smtClean="0"/>
+              <a:t> 그리면 좋을지 생각해오기</a:t>
+            </a:r>
+            <a:endParaRPr lang="en-US" altLang="ko-KR" smtClean="0"/>
+          </a:p>
+          <a:p>
+            <a:r>
+              <a:rPr lang="ko-KR" altLang="en-US" smtClean="0"/>
+              <a:t>자동차</a:t>
             </a:r>
             <a:endParaRPr lang="ko-KR" altLang="en-US" dirty="0"/>
           </a:p>

--- a/객체UML/10_객체UML(스테이트).pptx
+++ b/객체UML/10_객체UML(스테이트).pptx
@@ -251,7 +251,7 @@
           <a:p>
             <a:fld id="{4F4BDD88-E5D9-4E70-A448-3556BB33AA72}" type="datetimeFigureOut">
               <a:rPr lang="ko-KR" altLang="en-US" smtClean="0"/>
-              <a:t>2019-09-24</a:t>
+              <a:t>2019-09-26</a:t>
             </a:fld>
             <a:endParaRPr lang="ko-KR" altLang="en-US"/>
           </a:p>
@@ -650,7 +650,7 @@
           <a:p>
             <a:fld id="{443EFB69-F0EC-4822-AE63-00EAEBE003EB}" type="datetime1">
               <a:rPr lang="ko-KR" altLang="en-US" smtClean="0"/>
-              <a:t>2019-09-24</a:t>
+              <a:t>2019-09-26</a:t>
             </a:fld>
             <a:endParaRPr lang="ko-KR" altLang="en-US"/>
           </a:p>
@@ -913,7 +913,7 @@
           <a:p>
             <a:fld id="{CE59A610-291F-4FCD-B6D1-E1AEA4C57316}" type="datetime1">
               <a:rPr lang="ko-KR" altLang="en-US" smtClean="0"/>
-              <a:t>2019-09-24</a:t>
+              <a:t>2019-09-26</a:t>
             </a:fld>
             <a:endParaRPr lang="ko-KR" altLang="en-US"/>
           </a:p>
@@ -1098,7 +1098,7 @@
           <a:p>
             <a:fld id="{89B384C2-21DC-451A-85E7-10117E4DEC2C}" type="datetime1">
               <a:rPr lang="ko-KR" altLang="en-US" smtClean="0"/>
-              <a:t>2019-09-24</a:t>
+              <a:t>2019-09-26</a:t>
             </a:fld>
             <a:endParaRPr lang="ko-KR" altLang="en-US"/>
           </a:p>
@@ -1437,7 +1437,7 @@
           <a:p>
             <a:fld id="{D65EF312-86D8-4FC5-AD84-AFC561126411}" type="datetime1">
               <a:rPr lang="ko-KR" altLang="en-US" smtClean="0"/>
-              <a:t>2019-09-24</a:t>
+              <a:t>2019-09-26</a:t>
             </a:fld>
             <a:endParaRPr lang="ko-KR" altLang="en-US"/>
           </a:p>
@@ -1658,7 +1658,7 @@
           <a:p>
             <a:fld id="{6B7AF35F-C316-4D44-BCE1-B5D76FAA6FA6}" type="datetime1">
               <a:rPr lang="ko-KR" altLang="en-US" smtClean="0"/>
-              <a:t>2019-09-24</a:t>
+              <a:t>2019-09-26</a:t>
             </a:fld>
             <a:endParaRPr lang="ko-KR" altLang="en-US"/>
           </a:p>
@@ -1897,7 +1897,7 @@
           <a:p>
             <a:fld id="{A0DCB827-A3CE-435B-A78F-1B24C298D468}" type="datetime1">
               <a:rPr lang="ko-KR" altLang="en-US" smtClean="0"/>
-              <a:t>2019-09-24</a:t>
+              <a:t>2019-09-26</a:t>
             </a:fld>
             <a:endParaRPr lang="ko-KR" altLang="en-US"/>
           </a:p>
@@ -1999,7 +1999,7 @@
           <a:p>
             <a:fld id="{9B04BE9A-83D6-4A93-9424-19DD5CD63289}" type="datetime1">
               <a:rPr lang="ko-KR" altLang="en-US" smtClean="0"/>
-              <a:t>2019-09-24</a:t>
+              <a:t>2019-09-26</a:t>
             </a:fld>
             <a:endParaRPr lang="ko-KR" altLang="en-US"/>
           </a:p>
@@ -2283,7 +2283,7 @@
           <a:p>
             <a:fld id="{88474E88-0905-4806-88EC-3D6908030BD7}" type="datetime1">
               <a:rPr lang="ko-KR" altLang="en-US" smtClean="0"/>
-              <a:t>2019-09-24</a:t>
+              <a:t>2019-09-26</a:t>
             </a:fld>
             <a:endParaRPr lang="ko-KR" altLang="en-US"/>
           </a:p>
@@ -2543,7 +2543,7 @@
           <a:p>
             <a:fld id="{B4BDB3A4-79A6-4700-AF39-4ADF589BD2FC}" type="datetime1">
               <a:rPr lang="ko-KR" altLang="en-US" smtClean="0"/>
-              <a:t>2019-09-24</a:t>
+              <a:t>2019-09-26</a:t>
             </a:fld>
             <a:endParaRPr lang="ko-KR" altLang="en-US"/>
           </a:p>
@@ -2720,7 +2720,7 @@
           <a:p>
             <a:fld id="{2FF580AF-4AF3-4251-B2D1-BA9096D22850}" type="datetime1">
               <a:rPr lang="ko-KR" altLang="en-US" smtClean="0"/>
-              <a:t>2019-09-24</a:t>
+              <a:t>2019-09-26</a:t>
             </a:fld>
             <a:endParaRPr lang="ko-KR" altLang="en-US"/>
           </a:p>
@@ -2940,7 +2940,7 @@
           <a:p>
             <a:fld id="{3427A348-7E7B-460C-8F18-76B7CB69ACC0}" type="datetime1">
               <a:rPr lang="ko-KR" altLang="en-US" smtClean="0"/>
-              <a:t>2019-09-24</a:t>
+              <a:t>2019-09-26</a:t>
             </a:fld>
             <a:endParaRPr lang="ko-KR" altLang="en-US"/>
           </a:p>
@@ -4587,7 +4587,7 @@
         </p:blipFill>
         <p:spPr bwMode="auto">
           <a:xfrm>
-            <a:off x="299128" y="1693519"/>
+            <a:off x="346020" y="1716965"/>
             <a:ext cx="7486852" cy="2790442"/>
           </a:xfrm>
           <a:prstGeom prst="rect">
@@ -4877,11 +4877,7 @@
             </a:r>
             <a:r>
               <a:rPr lang="ko-KR" altLang="en-US" dirty="0" smtClean="0"/>
-              <a:t> </a:t>
-            </a:r>
-            <a:r>
-              <a:rPr lang="ko-KR" altLang="en-US" dirty="0" smtClean="0"/>
-              <a:t>다이어그램</a:t>
+              <a:t> 다이어그램</a:t>
             </a:r>
             <a:endParaRPr lang="en-US" altLang="ko-KR" dirty="0"/>
           </a:p>

--- a/객체UML/10_객체UML(스테이트).pptx
+++ b/객체UML/10_객체UML(스테이트).pptx
@@ -517,6 +517,106 @@
     </a:lvl9pPr>
   </p:notesStyle>
 </p:notesMaster>
+</file>
+
+<file path=ppt/notesSlides/notesSlide1.xml><?xml version="1.0" encoding="utf-8"?>
+<p:notes xmlns:a="http://schemas.openxmlformats.org/drawingml/2006/main" xmlns:r="http://schemas.openxmlformats.org/officeDocument/2006/relationships" xmlns:p="http://schemas.openxmlformats.org/presentationml/2006/main">
+  <p:cSld>
+    <p:spTree>
+      <p:nvGrpSpPr>
+        <p:cNvPr id="1" name=""/>
+        <p:cNvGrpSpPr/>
+        <p:nvPr/>
+      </p:nvGrpSpPr>
+      <p:grpSpPr>
+        <a:xfrm>
+          <a:off x="0" y="0"/>
+          <a:ext cx="0" cy="0"/>
+          <a:chOff x="0" y="0"/>
+          <a:chExt cx="0" cy="0"/>
+        </a:xfrm>
+      </p:grpSpPr>
+      <p:sp>
+        <p:nvSpPr>
+          <p:cNvPr id="2" name="슬라이드 이미지 개체 틀 1"/>
+          <p:cNvSpPr>
+            <a:spLocks noGrp="1" noRot="1" noChangeAspect="1"/>
+          </p:cNvSpPr>
+          <p:nvPr>
+            <p:ph type="sldImg"/>
+          </p:nvPr>
+        </p:nvSpPr>
+        <p:spPr/>
+      </p:sp>
+      <p:sp>
+        <p:nvSpPr>
+          <p:cNvPr id="3" name="슬라이드 노트 개체 틀 2"/>
+          <p:cNvSpPr>
+            <a:spLocks noGrp="1"/>
+          </p:cNvSpPr>
+          <p:nvPr>
+            <p:ph type="body" idx="1"/>
+          </p:nvPr>
+        </p:nvSpPr>
+        <p:spPr/>
+        <p:txBody>
+          <a:bodyPr/>
+          <a:lstStyle/>
+          <a:p>
+            <a:r>
+              <a:rPr lang="ko-KR" altLang="en-US" dirty="0" smtClean="0"/>
+              <a:t>멀티프로세스</a:t>
+            </a:r>
+            <a:r>
+              <a:rPr lang="ko-KR" altLang="en-US" baseline="0" dirty="0" smtClean="0"/>
+              <a:t> </a:t>
+            </a:r>
+            <a:r>
+              <a:rPr lang="en-US" altLang="ko-KR" baseline="0" dirty="0" smtClean="0"/>
+              <a:t>=  </a:t>
+            </a:r>
+            <a:r>
+              <a:rPr lang="ko-KR" altLang="en-US" baseline="0" dirty="0" smtClean="0"/>
+              <a:t>프로그램이 여러 개 사용 되는 것</a:t>
+            </a:r>
+            <a:endParaRPr lang="ko-KR" altLang="en-US" dirty="0"/>
+          </a:p>
+        </p:txBody>
+      </p:sp>
+      <p:sp>
+        <p:nvSpPr>
+          <p:cNvPr id="4" name="슬라이드 번호 개체 틀 3"/>
+          <p:cNvSpPr>
+            <a:spLocks noGrp="1"/>
+          </p:cNvSpPr>
+          <p:nvPr>
+            <p:ph type="sldNum" sz="quarter" idx="10"/>
+          </p:nvPr>
+        </p:nvSpPr>
+        <p:spPr/>
+        <p:txBody>
+          <a:bodyPr/>
+          <a:lstStyle/>
+          <a:p>
+            <a:fld id="{79E93C91-F793-47EF-9D75-5D2C1CA9C709}" type="slidenum">
+              <a:rPr lang="ko-KR" altLang="en-US" smtClean="0"/>
+              <a:t>16</a:t>
+            </a:fld>
+            <a:endParaRPr lang="ko-KR" altLang="en-US"/>
+          </a:p>
+        </p:txBody>
+      </p:sp>
+    </p:spTree>
+    <p:extLst>
+      <p:ext uri="{BB962C8B-B14F-4D97-AF65-F5344CB8AC3E}">
+        <p14:creationId xmlns:p14="http://schemas.microsoft.com/office/powerpoint/2010/main" val="331552789"/>
+      </p:ext>
+    </p:extLst>
+  </p:cSld>
+  <p:clrMapOvr>
+    <a:masterClrMapping/>
+  </p:clrMapOvr>
+</p:notes>
 </file>
 
 <file path=ppt/slideLayouts/slideLayout1.xml><?xml version="1.0" encoding="utf-8"?>
@@ -4737,7 +4837,7 @@
           <p:nvPr/>
         </p:nvPicPr>
         <p:blipFill>
-          <a:blip r:embed="rId2">
+          <a:blip r:embed="rId3">
             <a:extLst>
               <a:ext uri="{28A0092B-C50C-407E-A947-70E740481C1C}">
                 <a14:useLocalDpi xmlns:a14="http://schemas.microsoft.com/office/drawing/2010/main" val="0"/>
